--- a/docs/mastersheets on line reviewsessie grondwater 22 nov 2018.pptx
+++ b/docs/mastersheets on line reviewsessie grondwater 22 nov 2018.pptx
@@ -10057,10 +10057,9 @@
               <a:t>Wiertsema</a:t>
             </a:r>
             <a:r>
-              <a:rPr lang="nl-NL" sz="1050"/>
+              <a:rPr lang="nl-NL" sz="1050" dirty="0"/>
               <a:t> en partners</a:t>
             </a:r>
-            <a:endParaRPr lang="nl-NL" sz="1050" dirty="0"/>
           </a:p>
           <a:p>
             <a:pPr>
@@ -10069,8 +10068,27 @@
             </a:pPr>
             <a:r>
               <a:rPr lang="nl-NL" sz="1050" dirty="0"/>
-              <a:t> </a:t>
-            </a:r>
+              <a:t>Janco van Gelderen Provincie Utrecht</a:t>
+            </a:r>
+          </a:p>
+          <a:p>
+            <a:pPr>
+              <a:buFont typeface="Arial" panose="020B0604020202020204" pitchFamily="34" charset="0"/>
+              <a:buChar char="•"/>
+            </a:pPr>
+            <a:r>
+              <a:rPr lang="nl-NL" sz="1050" dirty="0"/>
+              <a:t> Igor </a:t>
+            </a:r>
+            <a:r>
+              <a:rPr lang="nl-NL" sz="1050" dirty="0" err="1"/>
+              <a:t>Mendazibal</a:t>
+            </a:r>
+            <a:r>
+              <a:rPr lang="nl-NL" sz="1050"/>
+              <a:t> Waterlabs</a:t>
+            </a:r>
+            <a:endParaRPr lang="nl-NL" sz="1050" dirty="0"/>
           </a:p>
           <a:p>
             <a:pPr>
